--- a/Zhukov_Prezentatsia.pptx
+++ b/Zhukov_Prezentatsia.pptx
@@ -219,7 +219,7 @@
           <a:p>
             <a:fld id="{DE160184-DDF1-4449-ADCE-B29CFEFC3F10}" type="datetimeFigureOut">
               <a:rPr lang="ru-RU" smtClean="0"/>
-              <a:t>19.06.2024</a:t>
+              <a:t>20.06.2024</a:t>
             </a:fld>
             <a:endParaRPr lang="ru-RU"/>
           </a:p>
@@ -699,7 +699,7 @@
           <a:p>
             <a:fld id="{7619B51A-FAEE-4495-82D7-18A91D5116D9}" type="datetimeFigureOut">
               <a:rPr lang="ru-RU" smtClean="0"/>
-              <a:t>19.06.2024</a:t>
+              <a:t>20.06.2024</a:t>
             </a:fld>
             <a:endParaRPr lang="ru-RU"/>
           </a:p>
@@ -867,7 +867,7 @@
           <a:p>
             <a:fld id="{7619B51A-FAEE-4495-82D7-18A91D5116D9}" type="datetimeFigureOut">
               <a:rPr lang="ru-RU" smtClean="0"/>
-              <a:t>19.06.2024</a:t>
+              <a:t>20.06.2024</a:t>
             </a:fld>
             <a:endParaRPr lang="ru-RU"/>
           </a:p>
@@ -1045,7 +1045,7 @@
           <a:p>
             <a:fld id="{7619B51A-FAEE-4495-82D7-18A91D5116D9}" type="datetimeFigureOut">
               <a:rPr lang="ru-RU" smtClean="0"/>
-              <a:t>19.06.2024</a:t>
+              <a:t>20.06.2024</a:t>
             </a:fld>
             <a:endParaRPr lang="ru-RU"/>
           </a:p>
@@ -1213,7 +1213,7 @@
           <a:p>
             <a:fld id="{7619B51A-FAEE-4495-82D7-18A91D5116D9}" type="datetimeFigureOut">
               <a:rPr lang="ru-RU" smtClean="0"/>
-              <a:t>19.06.2024</a:t>
+              <a:t>20.06.2024</a:t>
             </a:fld>
             <a:endParaRPr lang="ru-RU"/>
           </a:p>
@@ -1458,7 +1458,7 @@
           <a:p>
             <a:fld id="{7619B51A-FAEE-4495-82D7-18A91D5116D9}" type="datetimeFigureOut">
               <a:rPr lang="ru-RU" smtClean="0"/>
-              <a:t>19.06.2024</a:t>
+              <a:t>20.06.2024</a:t>
             </a:fld>
             <a:endParaRPr lang="ru-RU"/>
           </a:p>
@@ -1687,7 +1687,7 @@
           <a:p>
             <a:fld id="{7619B51A-FAEE-4495-82D7-18A91D5116D9}" type="datetimeFigureOut">
               <a:rPr lang="ru-RU" smtClean="0"/>
-              <a:t>19.06.2024</a:t>
+              <a:t>20.06.2024</a:t>
             </a:fld>
             <a:endParaRPr lang="ru-RU"/>
           </a:p>
@@ -2051,7 +2051,7 @@
           <a:p>
             <a:fld id="{7619B51A-FAEE-4495-82D7-18A91D5116D9}" type="datetimeFigureOut">
               <a:rPr lang="ru-RU" smtClean="0"/>
-              <a:t>19.06.2024</a:t>
+              <a:t>20.06.2024</a:t>
             </a:fld>
             <a:endParaRPr lang="ru-RU"/>
           </a:p>
@@ -2168,7 +2168,7 @@
           <a:p>
             <a:fld id="{7619B51A-FAEE-4495-82D7-18A91D5116D9}" type="datetimeFigureOut">
               <a:rPr lang="ru-RU" smtClean="0"/>
-              <a:t>19.06.2024</a:t>
+              <a:t>20.06.2024</a:t>
             </a:fld>
             <a:endParaRPr lang="ru-RU"/>
           </a:p>
@@ -2263,7 +2263,7 @@
           <a:p>
             <a:fld id="{7619B51A-FAEE-4495-82D7-18A91D5116D9}" type="datetimeFigureOut">
               <a:rPr lang="ru-RU" smtClean="0"/>
-              <a:t>19.06.2024</a:t>
+              <a:t>20.06.2024</a:t>
             </a:fld>
             <a:endParaRPr lang="ru-RU"/>
           </a:p>
@@ -2538,7 +2538,7 @@
           <a:p>
             <a:fld id="{7619B51A-FAEE-4495-82D7-18A91D5116D9}" type="datetimeFigureOut">
               <a:rPr lang="ru-RU" smtClean="0"/>
-              <a:t>19.06.2024</a:t>
+              <a:t>20.06.2024</a:t>
             </a:fld>
             <a:endParaRPr lang="ru-RU"/>
           </a:p>
@@ -2790,7 +2790,7 @@
           <a:p>
             <a:fld id="{7619B51A-FAEE-4495-82D7-18A91D5116D9}" type="datetimeFigureOut">
               <a:rPr lang="ru-RU" smtClean="0"/>
-              <a:t>19.06.2024</a:t>
+              <a:t>20.06.2024</a:t>
             </a:fld>
             <a:endParaRPr lang="ru-RU"/>
           </a:p>
@@ -3001,7 +3001,7 @@
           <a:p>
             <a:fld id="{7619B51A-FAEE-4495-82D7-18A91D5116D9}" type="datetimeFigureOut">
               <a:rPr lang="ru-RU" smtClean="0"/>
-              <a:t>19.06.2024</a:t>
+              <a:t>20.06.2024</a:t>
             </a:fld>
             <a:endParaRPr lang="ru-RU"/>
           </a:p>
@@ -3761,6 +3761,13 @@
   <p:clrMapOvr>
     <a:masterClrMapping/>
   </p:clrMapOvr>
+  <p:timing>
+    <p:tnLst>
+      <p:par>
+        <p:cTn id="1" dur="indefinite" restart="never" nodeType="tmRoot"/>
+      </p:par>
+    </p:tnLst>
+  </p:timing>
 </p:sld>
 </file>
 
@@ -3826,7 +3833,7 @@
             <a:avLst/>
           </a:prstGeom>
           <a:solidFill>
-            <a:schemeClr val="accent4">
+            <a:schemeClr val="accent1">
               <a:lumMod val="20000"/>
               <a:lumOff val="80000"/>
             </a:schemeClr>
@@ -3891,8 +3898,8 @@
         </p:nvSpPr>
         <p:spPr>
           <a:xfrm>
-            <a:off x="7885567" y="1639781"/>
-            <a:ext cx="3069125" cy="4247317"/>
+            <a:off x="7752217" y="1625649"/>
+            <a:ext cx="4306433" cy="3323987"/>
           </a:xfrm>
           <a:prstGeom prst="rect">
             <a:avLst/>
@@ -3920,14 +3927,37 @@
                 <a:latin typeface="Times New Roman" panose="02020603050405020304" pitchFamily="18" charset="0"/>
                 <a:cs typeface="Times New Roman" panose="02020603050405020304" pitchFamily="18" charset="0"/>
               </a:rPr>
-              <a:t>Итоговая стоимость разработки сайта для организации ООО «ЦА Максималист</a:t>
-            </a:r>
-            <a:r>
-              <a:rPr lang="ru-RU" sz="2000" dirty="0">
+              <a:t>Итоговая стоимость разработки приложения для технического администратора </a:t>
+            </a:r>
+            <a:r>
+              <a:rPr lang="ru-RU" sz="2000" dirty="0" smtClean="0">
+                <a:solidFill>
+                  <a:srgbClr val="000000"/>
+                </a:solidFill>
                 <a:latin typeface="Times New Roman" panose="02020603050405020304" pitchFamily="18" charset="0"/>
                 <a:cs typeface="Times New Roman" panose="02020603050405020304" pitchFamily="18" charset="0"/>
               </a:rPr>
-              <a:t>» </a:t>
+              <a:t>организации</a:t>
+            </a:r>
+            <a:r>
+              <a:rPr lang="en-US" sz="2000" dirty="0" smtClean="0">
+                <a:solidFill>
+                  <a:srgbClr val="000000"/>
+                </a:solidFill>
+                <a:latin typeface="Times New Roman" panose="02020603050405020304" pitchFamily="18" charset="0"/>
+                <a:cs typeface="Times New Roman" panose="02020603050405020304" pitchFamily="18" charset="0"/>
+              </a:rPr>
+              <a:t> </a:t>
+            </a:r>
+            <a:r>
+              <a:rPr lang="ru-RU" sz="2000" dirty="0" smtClean="0">
+                <a:solidFill>
+                  <a:srgbClr val="000000"/>
+                </a:solidFill>
+                <a:latin typeface="Times New Roman" panose="02020603050405020304" pitchFamily="18" charset="0"/>
+                <a:cs typeface="Times New Roman" panose="02020603050405020304" pitchFamily="18" charset="0"/>
+              </a:rPr>
+              <a:t>ООО </a:t>
             </a:r>
             <a:r>
               <a:rPr lang="ru-RU" sz="2000" dirty="0">
@@ -3937,25 +3967,25 @@
                 <a:latin typeface="Times New Roman" panose="02020603050405020304" pitchFamily="18" charset="0"/>
                 <a:cs typeface="Times New Roman" panose="02020603050405020304" pitchFamily="18" charset="0"/>
               </a:rPr>
-              <a:t>по продажи со склада товаров составит </a:t>
-            </a:r>
-            <a:r>
-              <a:rPr lang="ru-RU" sz="2000" dirty="0">
-                <a:latin typeface="Times New Roman" panose="02020603050405020304" pitchFamily="18" charset="0"/>
-                <a:cs typeface="Times New Roman" panose="02020603050405020304" pitchFamily="18" charset="0"/>
-              </a:rPr>
-              <a:t>51497,02 </a:t>
-            </a:r>
-            <a:r>
-              <a:rPr lang="ru-RU" sz="2000" dirty="0">
+              <a:t>«Новый Коммунальный Стандарт» по приему заявок от клиентов составит 14 157 рублей</a:t>
+            </a:r>
+            <a:r>
+              <a:rPr lang="ru-RU" sz="2000" dirty="0" smtClean="0">
                 <a:solidFill>
                   <a:srgbClr val="000000"/>
                 </a:solidFill>
                 <a:latin typeface="Times New Roman" panose="02020603050405020304" pitchFamily="18" charset="0"/>
                 <a:cs typeface="Times New Roman" panose="02020603050405020304" pitchFamily="18" charset="0"/>
               </a:rPr>
-              <a:t>руб.</a:t>
-            </a:r>
+              <a:t>.</a:t>
+            </a:r>
+            <a:endParaRPr lang="en-US" sz="2000" dirty="0" smtClean="0">
+              <a:solidFill>
+                <a:srgbClr val="000000"/>
+              </a:solidFill>
+              <a:latin typeface="Times New Roman" panose="02020603050405020304" pitchFamily="18" charset="0"/>
+              <a:cs typeface="Times New Roman" panose="02020603050405020304" pitchFamily="18" charset="0"/>
+            </a:endParaRPr>
           </a:p>
           <a:p>
             <a:pPr indent="450215" algn="just">
@@ -3967,6 +3997,17 @@
               </a:spcAft>
             </a:pPr>
             <a:r>
+              <a:rPr lang="ru-RU" sz="2000" dirty="0" smtClean="0">
+                <a:solidFill>
+                  <a:srgbClr val="000000"/>
+                </a:solidFill>
+                <a:effectLst/>
+                <a:latin typeface="Times New Roman" panose="02020603050405020304" pitchFamily="18" charset="0"/>
+                <a:cs typeface="Times New Roman" panose="02020603050405020304" pitchFamily="18" charset="0"/>
+              </a:rPr>
+              <a:t>Итого </a:t>
+            </a:r>
+            <a:r>
               <a:rPr lang="ru-RU" sz="2000" dirty="0">
                 <a:solidFill>
                   <a:srgbClr val="000000"/>
@@ -3975,7 +4016,7 @@
                 <a:latin typeface="Times New Roman" panose="02020603050405020304" pitchFamily="18" charset="0"/>
                 <a:cs typeface="Times New Roman" panose="02020603050405020304" pitchFamily="18" charset="0"/>
               </a:rPr>
-              <a:t>Итого затрачено: </a:t>
+              <a:t>затрачено: </a:t>
             </a:r>
             <a:r>
               <a:rPr lang="ru-RU" sz="2000" dirty="0" smtClean="0">
@@ -5134,136 +5175,115 @@
                 <a:latin typeface="Times New Roman" panose="02020603050405020304" pitchFamily="18" charset="0"/>
                 <a:cs typeface="Times New Roman" panose="02020603050405020304" pitchFamily="18" charset="0"/>
               </a:rPr>
-              <a:t>приложение</a:t>
+              <a:t>приложение надёжно, </a:t>
+            </a:r>
+            <a:r>
+              <a:rPr lang="ru-RU" sz="2600" dirty="0">
+                <a:latin typeface="Times New Roman" panose="02020603050405020304" pitchFamily="18" charset="0"/>
+                <a:cs typeface="Times New Roman" panose="02020603050405020304" pitchFamily="18" charset="0"/>
+              </a:rPr>
+              <a:t>требования к характеристикам компьютера и какие приложения нужны для полного использования сайта.</a:t>
+            </a:r>
+          </a:p>
+          <a:p>
+            <a:pPr marL="0" indent="0">
+              <a:buNone/>
+            </a:pPr>
+            <a:r>
+              <a:rPr lang="en-US" sz="2600" dirty="0">
+                <a:latin typeface="Times New Roman" panose="02020603050405020304" pitchFamily="18" charset="0"/>
+                <a:cs typeface="Times New Roman" panose="02020603050405020304" pitchFamily="18" charset="0"/>
+              </a:rPr>
+              <a:t>	</a:t>
+            </a:r>
+            <a:r>
+              <a:rPr lang="ru-RU" sz="2600" dirty="0">
+                <a:latin typeface="Times New Roman" panose="02020603050405020304" pitchFamily="18" charset="0"/>
+                <a:cs typeface="Times New Roman" panose="02020603050405020304" pitchFamily="18" charset="0"/>
+              </a:rPr>
+              <a:t>Разработка технического проекта. В данном пункте описаны, преимущества выбора </a:t>
+            </a:r>
+            <a:r>
+              <a:rPr lang="en-US" sz="2600" dirty="0">
+                <a:latin typeface="Times New Roman" panose="02020603050405020304" pitchFamily="18" charset="0"/>
+                <a:cs typeface="Times New Roman" panose="02020603050405020304" pitchFamily="18" charset="0"/>
+              </a:rPr>
+              <a:t>CASE</a:t>
+            </a:r>
+            <a:r>
+              <a:rPr lang="ru-RU" sz="2600" dirty="0">
+                <a:latin typeface="Times New Roman" panose="02020603050405020304" pitchFamily="18" charset="0"/>
+                <a:cs typeface="Times New Roman" panose="02020603050405020304" pitchFamily="18" charset="0"/>
+              </a:rPr>
+              <a:t>-средства </a:t>
+            </a:r>
+            <a:r>
+              <a:rPr lang="en-US" sz="2600" dirty="0">
+                <a:latin typeface="Times New Roman" panose="02020603050405020304" pitchFamily="18" charset="0"/>
+                <a:cs typeface="Times New Roman" panose="02020603050405020304" pitchFamily="18" charset="0"/>
+              </a:rPr>
+              <a:t>Draw.IO</a:t>
+            </a:r>
+            <a:r>
+              <a:rPr lang="ru-RU" sz="2600" dirty="0">
+                <a:latin typeface="Times New Roman" panose="02020603050405020304" pitchFamily="18" charset="0"/>
+                <a:cs typeface="Times New Roman" panose="02020603050405020304" pitchFamily="18" charset="0"/>
+              </a:rPr>
+              <a:t>, описание процесса проектирование предметной области.</a:t>
+            </a:r>
+          </a:p>
+          <a:p>
+            <a:pPr marL="0" indent="0">
+              <a:buNone/>
+            </a:pPr>
+            <a:r>
+              <a:rPr lang="en-US" sz="2600" dirty="0">
+                <a:latin typeface="Times New Roman" panose="02020603050405020304" pitchFamily="18" charset="0"/>
+                <a:cs typeface="Times New Roman" panose="02020603050405020304" pitchFamily="18" charset="0"/>
+              </a:rPr>
+              <a:t>	</a:t>
+            </a:r>
+            <a:r>
+              <a:rPr lang="ru-RU" sz="2600" dirty="0">
+                <a:latin typeface="Times New Roman" panose="02020603050405020304" pitchFamily="18" charset="0"/>
+                <a:cs typeface="Times New Roman" panose="02020603050405020304" pitchFamily="18" charset="0"/>
+              </a:rPr>
+              <a:t>Реализация. Данный пункт содержит причины выбора средств разработки </a:t>
             </a:r>
             <a:r>
               <a:rPr lang="ru-RU" sz="2600" dirty="0" smtClean="0">
                 <a:latin typeface="Times New Roman" panose="02020603050405020304" pitchFamily="18" charset="0"/>
                 <a:cs typeface="Times New Roman" panose="02020603050405020304" pitchFamily="18" charset="0"/>
               </a:rPr>
-              <a:t> надёжно, </a:t>
+              <a:t>приложения. </a:t>
             </a:r>
             <a:r>
               <a:rPr lang="ru-RU" sz="2600" dirty="0">
                 <a:latin typeface="Times New Roman" panose="02020603050405020304" pitchFamily="18" charset="0"/>
                 <a:cs typeface="Times New Roman" panose="02020603050405020304" pitchFamily="18" charset="0"/>
               </a:rPr>
-              <a:t>требования к характеристикам компьютера и какие приложения нужны для полного использования сайта.</a:t>
-            </a:r>
-          </a:p>
-          <a:p>
-            <a:pPr marL="0" indent="0">
-              <a:buNone/>
-            </a:pPr>
-            <a:r>
-              <a:rPr lang="en-US" sz="2600" dirty="0">
+              <a:t>Руководство программиста разработана для понимания как </a:t>
+            </a:r>
+            <a:r>
+              <a:rPr lang="ru-RU" sz="2600" dirty="0" smtClean="0">
                 <a:latin typeface="Times New Roman" panose="02020603050405020304" pitchFamily="18" charset="0"/>
                 <a:cs typeface="Times New Roman" panose="02020603050405020304" pitchFamily="18" charset="0"/>
               </a:rPr>
-              <a:t>	</a:t>
+              <a:t>сделано приложение. </a:t>
             </a:r>
             <a:r>
               <a:rPr lang="ru-RU" sz="2600" dirty="0">
                 <a:latin typeface="Times New Roman" panose="02020603050405020304" pitchFamily="18" charset="0"/>
                 <a:cs typeface="Times New Roman" panose="02020603050405020304" pitchFamily="18" charset="0"/>
               </a:rPr>
-              <a:t>Разработка технического проекта. В данном пункте описаны, преимущества выбора </a:t>
-            </a:r>
-            <a:r>
-              <a:rPr lang="en-US" sz="2600" dirty="0">
-                <a:latin typeface="Times New Roman" panose="02020603050405020304" pitchFamily="18" charset="0"/>
-                <a:cs typeface="Times New Roman" panose="02020603050405020304" pitchFamily="18" charset="0"/>
-              </a:rPr>
-              <a:t>CASE</a:t>
-            </a:r>
-            <a:r>
-              <a:rPr lang="ru-RU" sz="2600" dirty="0">
-                <a:latin typeface="Times New Roman" panose="02020603050405020304" pitchFamily="18" charset="0"/>
-                <a:cs typeface="Times New Roman" panose="02020603050405020304" pitchFamily="18" charset="0"/>
-              </a:rPr>
-              <a:t>-средства </a:t>
-            </a:r>
-            <a:r>
-              <a:rPr lang="en-US" sz="2600" dirty="0">
-                <a:latin typeface="Times New Roman" panose="02020603050405020304" pitchFamily="18" charset="0"/>
-                <a:cs typeface="Times New Roman" panose="02020603050405020304" pitchFamily="18" charset="0"/>
-              </a:rPr>
-              <a:t>Draw.IO</a:t>
-            </a:r>
-            <a:r>
-              <a:rPr lang="ru-RU" sz="2600" dirty="0">
-                <a:latin typeface="Times New Roman" panose="02020603050405020304" pitchFamily="18" charset="0"/>
-                <a:cs typeface="Times New Roman" panose="02020603050405020304" pitchFamily="18" charset="0"/>
-              </a:rPr>
-              <a:t>, описание процесса проектирование предметной области.</a:t>
-            </a:r>
-          </a:p>
-          <a:p>
-            <a:pPr marL="0" indent="0">
-              <a:buNone/>
-            </a:pPr>
-            <a:r>
-              <a:rPr lang="en-US" sz="2600" dirty="0">
-                <a:latin typeface="Times New Roman" panose="02020603050405020304" pitchFamily="18" charset="0"/>
-                <a:cs typeface="Times New Roman" panose="02020603050405020304" pitchFamily="18" charset="0"/>
-              </a:rPr>
-              <a:t>	</a:t>
-            </a:r>
-            <a:r>
-              <a:rPr lang="ru-RU" sz="2600" dirty="0">
-                <a:latin typeface="Times New Roman" panose="02020603050405020304" pitchFamily="18" charset="0"/>
-                <a:cs typeface="Times New Roman" panose="02020603050405020304" pitchFamily="18" charset="0"/>
-              </a:rPr>
-              <a:t>Реализация. Данный пункт содержит причины выбора средств разработки </a:t>
+              <a:t>Руководство пользователя разработана для обучения пользователя как работать с </a:t>
             </a:r>
             <a:r>
               <a:rPr lang="ru-RU" sz="2600" dirty="0" smtClean="0">
                 <a:latin typeface="Times New Roman" panose="02020603050405020304" pitchFamily="18" charset="0"/>
                 <a:cs typeface="Times New Roman" panose="02020603050405020304" pitchFamily="18" charset="0"/>
               </a:rPr>
-              <a:t>приложения</a:t>
-            </a:r>
-            <a:r>
-              <a:rPr lang="ru-RU" sz="2600" dirty="0" smtClean="0">
-                <a:latin typeface="Times New Roman" panose="02020603050405020304" pitchFamily="18" charset="0"/>
-                <a:cs typeface="Times New Roman" panose="02020603050405020304" pitchFamily="18" charset="0"/>
-              </a:rPr>
-              <a:t>. </a:t>
-            </a:r>
-            <a:r>
-              <a:rPr lang="ru-RU" sz="2600" dirty="0">
-                <a:latin typeface="Times New Roman" panose="02020603050405020304" pitchFamily="18" charset="0"/>
-                <a:cs typeface="Times New Roman" panose="02020603050405020304" pitchFamily="18" charset="0"/>
-              </a:rPr>
-              <a:t>Руководство программиста разработана для понимания как </a:t>
-            </a:r>
-            <a:r>
-              <a:rPr lang="ru-RU" sz="2600" dirty="0" smtClean="0">
-                <a:latin typeface="Times New Roman" panose="02020603050405020304" pitchFamily="18" charset="0"/>
-                <a:cs typeface="Times New Roman" panose="02020603050405020304" pitchFamily="18" charset="0"/>
-              </a:rPr>
-              <a:t>сделано приложение. </a:t>
-            </a:r>
-            <a:r>
-              <a:rPr lang="ru-RU" sz="2600" dirty="0">
-                <a:latin typeface="Times New Roman" panose="02020603050405020304" pitchFamily="18" charset="0"/>
-                <a:cs typeface="Times New Roman" panose="02020603050405020304" pitchFamily="18" charset="0"/>
-              </a:rPr>
-              <a:t>Руководство пользователя разработана для обучения пользователя как работать с </a:t>
-            </a:r>
-            <a:r>
-              <a:rPr lang="ru-RU" sz="2600" dirty="0" smtClean="0">
-                <a:latin typeface="Times New Roman" panose="02020603050405020304" pitchFamily="18" charset="0"/>
-                <a:cs typeface="Times New Roman" panose="02020603050405020304" pitchFamily="18" charset="0"/>
-              </a:rPr>
-              <a:t>приложением</a:t>
-            </a:r>
-            <a:r>
-              <a:rPr lang="ru-RU" sz="2600" dirty="0" smtClean="0">
-                <a:latin typeface="Times New Roman" panose="02020603050405020304" pitchFamily="18" charset="0"/>
-                <a:cs typeface="Times New Roman" panose="02020603050405020304" pitchFamily="18" charset="0"/>
-              </a:rPr>
-              <a:t>.</a:t>
+              <a:t>приложением.</a:t>
             </a:r>
             <a:endParaRPr lang="ru-RU" sz="2600" dirty="0">
               <a:latin typeface="Times New Roman" panose="02020603050405020304" pitchFamily="18" charset="0"/>
@@ -5293,14 +5313,7 @@
                 <a:latin typeface="Times New Roman" panose="02020603050405020304" pitchFamily="18" charset="0"/>
                 <a:cs typeface="Times New Roman" panose="02020603050405020304" pitchFamily="18" charset="0"/>
               </a:rPr>
-              <a:t>приложения</a:t>
-            </a:r>
-            <a:r>
-              <a:rPr lang="ru-RU" sz="2600" dirty="0" smtClean="0">
-                <a:latin typeface="Times New Roman" panose="02020603050405020304" pitchFamily="18" charset="0"/>
-                <a:cs typeface="Times New Roman" panose="02020603050405020304" pitchFamily="18" charset="0"/>
-              </a:rPr>
-              <a:t> </a:t>
+              <a:t>приложения </a:t>
             </a:r>
             <a:r>
               <a:rPr lang="ru-RU" sz="2600" dirty="0">
@@ -5330,7 +5343,7 @@
             <a:avLst/>
           </a:prstGeom>
           <a:solidFill>
-            <a:schemeClr val="accent4">
+            <a:schemeClr val="accent1">
               <a:lumMod val="20000"/>
               <a:lumOff val="80000"/>
             </a:schemeClr>
@@ -6484,6 +6497,13 @@
   <p:clrMapOvr>
     <a:masterClrMapping/>
   </p:clrMapOvr>
+  <p:timing>
+    <p:tnLst>
+      <p:par>
+        <p:cTn id="1" dur="indefinite" restart="never" nodeType="tmRoot"/>
+      </p:par>
+    </p:tnLst>
+  </p:timing>
 </p:sld>
 </file>
 
@@ -7548,28 +7568,35 @@
                 <a:latin typeface="Times New Roman" panose="02020603050405020304" pitchFamily="18" charset="0"/>
                 <a:cs typeface="Times New Roman" panose="02020603050405020304" pitchFamily="18" charset="0"/>
               </a:rPr>
-              <a:t>Программа предназначена для проведения документооборота инженерам. </a:t>
-            </a:r>
-            <a:r>
-              <a:rPr lang="ru-RU" dirty="0">
-                <a:latin typeface="Times New Roman" panose="02020603050405020304" pitchFamily="18" charset="0"/>
-                <a:cs typeface="Times New Roman" panose="02020603050405020304" pitchFamily="18" charset="0"/>
-              </a:rPr>
-              <a:t>Она позволит инженерам быстро и удобно вести журнал записей о проведенных работах, плановых и не плановых проверках оборудования, а также о выполнении различных нормативов и стандартов безопасности. Таким образом, оно значительно упростит управление и контроль за состоянием инфраструктуры </a:t>
-            </a:r>
-            <a:r>
-              <a:rPr lang="ru-RU" dirty="0" err="1" smtClean="0">
-                <a:latin typeface="Times New Roman" panose="02020603050405020304" pitchFamily="18" charset="0"/>
-                <a:cs typeface="Times New Roman" panose="02020603050405020304" pitchFamily="18" charset="0"/>
-              </a:rPr>
-              <a:t>дома.Эта</a:t>
+              <a:t>Программа предназначена для проведения документооборота инженерам. Она позволит инженерам быстро и удобно вести журнал записей о проведенных работах, плановых и не плановых проверках оборудования, а также о выполнении различных нормативов и стандартов безопасности. Таким образом, оно значительно упростит управление и контроль за состоянием инфраструктуры </a:t>
             </a:r>
             <a:r>
               <a:rPr lang="ru-RU" dirty="0" smtClean="0">
                 <a:latin typeface="Times New Roman" panose="02020603050405020304" pitchFamily="18" charset="0"/>
                 <a:cs typeface="Times New Roman" panose="02020603050405020304" pitchFamily="18" charset="0"/>
               </a:rPr>
+              <a:t>дома</a:t>
+            </a:r>
+            <a:r>
+              <a:rPr lang="ru-RU" dirty="0" smtClean="0">
+                <a:latin typeface="Times New Roman" panose="02020603050405020304" pitchFamily="18" charset="0"/>
+                <a:cs typeface="Times New Roman" panose="02020603050405020304" pitchFamily="18" charset="0"/>
+              </a:rPr>
+              <a:t>.</a:t>
+            </a:r>
+            <a:r>
+              <a:rPr lang="en-US" dirty="0" smtClean="0">
+                <a:latin typeface="Times New Roman" panose="02020603050405020304" pitchFamily="18" charset="0"/>
+                <a:cs typeface="Times New Roman" panose="02020603050405020304" pitchFamily="18" charset="0"/>
+              </a:rPr>
               <a:t> </a:t>
+            </a:r>
+            <a:r>
+              <a:rPr lang="ru-RU" dirty="0" smtClean="0">
+                <a:latin typeface="Times New Roman" panose="02020603050405020304" pitchFamily="18" charset="0"/>
+                <a:cs typeface="Times New Roman" panose="02020603050405020304" pitchFamily="18" charset="0"/>
+              </a:rPr>
+              <a:t>Эта </a:t>
             </a:r>
             <a:r>
               <a:rPr lang="ru-RU" dirty="0">
@@ -7607,14 +7634,14 @@
         </p:nvSpPr>
         <p:spPr>
           <a:xfrm>
-            <a:off x="383485" y="220212"/>
+            <a:off x="427447" y="269998"/>
             <a:ext cx="1291406" cy="350156"/>
           </a:xfrm>
           <a:prstGeom prst="rect">
             <a:avLst/>
           </a:prstGeom>
           <a:solidFill>
-            <a:schemeClr val="accent4">
+            <a:schemeClr val="accent1">
               <a:lumMod val="20000"/>
               <a:lumOff val="80000"/>
             </a:schemeClr>
@@ -7630,6 +7657,9 @@
             <a:headEnd type="none" w="med" len="med"/>
             <a:tailEnd type="none" w="med" len="med"/>
           </a:ln>
+          <a:effectLst>
+            <a:softEdge rad="0"/>
+          </a:effectLst>
         </p:spPr>
         <p:style>
           <a:lnRef idx="0">
@@ -8112,7 +8142,7 @@
             <a:avLst/>
           </a:prstGeom>
           <a:solidFill>
-            <a:schemeClr val="accent4">
+            <a:schemeClr val="accent1">
               <a:lumMod val="20000"/>
               <a:lumOff val="80000"/>
             </a:schemeClr>
@@ -8555,6 +8585,79 @@
                                         <p:cTn id="20" dur="500" fill="hold"/>
                                         <p:tgtEl>
                                           <p:spTgt spid="11"/>
+                                        </p:tgtEl>
+                                        <p:attrNameLst>
+                                          <p:attrName>ppt_y</p:attrName>
+                                        </p:attrNameLst>
+                                      </p:cBhvr>
+                                      <p:tavLst>
+                                        <p:tav tm="0">
+                                          <p:val>
+                                            <p:strVal val="1+#ppt_h/2"/>
+                                          </p:val>
+                                        </p:tav>
+                                        <p:tav tm="100000">
+                                          <p:val>
+                                            <p:strVal val="#ppt_y"/>
+                                          </p:val>
+                                        </p:tav>
+                                      </p:tavLst>
+                                    </p:anim>
+                                  </p:childTnLst>
+                                </p:cTn>
+                              </p:par>
+                              <p:par>
+                                <p:cTn id="21" presetID="2" presetClass="entr" presetSubtype="4" fill="hold" nodeType="withEffect">
+                                  <p:stCondLst>
+                                    <p:cond delay="0"/>
+                                  </p:stCondLst>
+                                  <p:childTnLst>
+                                    <p:set>
+                                      <p:cBhvr>
+                                        <p:cTn id="22" dur="1" fill="hold">
+                                          <p:stCondLst>
+                                            <p:cond delay="0"/>
+                                          </p:stCondLst>
+                                        </p:cTn>
+                                        <p:tgtEl>
+                                          <p:spTgt spid="3"/>
+                                        </p:tgtEl>
+                                        <p:attrNameLst>
+                                          <p:attrName>style.visibility</p:attrName>
+                                        </p:attrNameLst>
+                                      </p:cBhvr>
+                                      <p:to>
+                                        <p:strVal val="visible"/>
+                                      </p:to>
+                                    </p:set>
+                                    <p:anim calcmode="lin" valueType="num">
+                                      <p:cBhvr additive="base">
+                                        <p:cTn id="23" dur="500" fill="hold"/>
+                                        <p:tgtEl>
+                                          <p:spTgt spid="3"/>
+                                        </p:tgtEl>
+                                        <p:attrNameLst>
+                                          <p:attrName>ppt_x</p:attrName>
+                                        </p:attrNameLst>
+                                      </p:cBhvr>
+                                      <p:tavLst>
+                                        <p:tav tm="0">
+                                          <p:val>
+                                            <p:strVal val="#ppt_x"/>
+                                          </p:val>
+                                        </p:tav>
+                                        <p:tav tm="100000">
+                                          <p:val>
+                                            <p:strVal val="#ppt_x"/>
+                                          </p:val>
+                                        </p:tav>
+                                      </p:tavLst>
+                                    </p:anim>
+                                    <p:anim calcmode="lin" valueType="num">
+                                      <p:cBhvr additive="base">
+                                        <p:cTn id="24" dur="500" fill="hold"/>
+                                        <p:tgtEl>
+                                          <p:spTgt spid="3"/>
                                         </p:tgtEl>
                                         <p:attrNameLst>
                                           <p:attrName>ppt_y</p:attrName>
@@ -8729,7 +8832,7 @@
             <a:avLst/>
           </a:prstGeom>
           <a:solidFill>
-            <a:schemeClr val="accent4">
+            <a:schemeClr val="accent1">
               <a:lumMod val="20000"/>
               <a:lumOff val="80000"/>
             </a:schemeClr>
@@ -8874,7 +8977,7 @@
         <p:spPr>
           <a:xfrm>
             <a:off x="4020364" y="790470"/>
-            <a:ext cx="4151269" cy="5504560"/>
+            <a:ext cx="4100923" cy="5572230"/>
           </a:xfrm>
           <a:prstGeom prst="rect">
             <a:avLst/>
@@ -9181,6 +9284,170 @@
                       </p:childTnLst>
                     </p:cTn>
                   </p:par>
+                  <p:par>
+                    <p:cTn id="17" fill="hold">
+                      <p:stCondLst>
+                        <p:cond delay="indefinite"/>
+                      </p:stCondLst>
+                      <p:childTnLst>
+                        <p:par>
+                          <p:cTn id="18" fill="hold">
+                            <p:stCondLst>
+                              <p:cond delay="0"/>
+                            </p:stCondLst>
+                            <p:childTnLst>
+                              <p:par>
+                                <p:cTn id="19" presetID="2" presetClass="entr" presetSubtype="4" fill="hold" nodeType="clickEffect">
+                                  <p:stCondLst>
+                                    <p:cond delay="0"/>
+                                  </p:stCondLst>
+                                  <p:childTnLst>
+                                    <p:set>
+                                      <p:cBhvr>
+                                        <p:cTn id="20" dur="1" fill="hold">
+                                          <p:stCondLst>
+                                            <p:cond delay="0"/>
+                                          </p:stCondLst>
+                                        </p:cTn>
+                                        <p:tgtEl>
+                                          <p:spTgt spid="8"/>
+                                        </p:tgtEl>
+                                        <p:attrNameLst>
+                                          <p:attrName>style.visibility</p:attrName>
+                                        </p:attrNameLst>
+                                      </p:cBhvr>
+                                      <p:to>
+                                        <p:strVal val="visible"/>
+                                      </p:to>
+                                    </p:set>
+                                    <p:anim calcmode="lin" valueType="num">
+                                      <p:cBhvr additive="base">
+                                        <p:cTn id="21" dur="500" fill="hold"/>
+                                        <p:tgtEl>
+                                          <p:spTgt spid="8"/>
+                                        </p:tgtEl>
+                                        <p:attrNameLst>
+                                          <p:attrName>ppt_x</p:attrName>
+                                        </p:attrNameLst>
+                                      </p:cBhvr>
+                                      <p:tavLst>
+                                        <p:tav tm="0">
+                                          <p:val>
+                                            <p:strVal val="#ppt_x"/>
+                                          </p:val>
+                                        </p:tav>
+                                        <p:tav tm="100000">
+                                          <p:val>
+                                            <p:strVal val="#ppt_x"/>
+                                          </p:val>
+                                        </p:tav>
+                                      </p:tavLst>
+                                    </p:anim>
+                                    <p:anim calcmode="lin" valueType="num">
+                                      <p:cBhvr additive="base">
+                                        <p:cTn id="22" dur="500" fill="hold"/>
+                                        <p:tgtEl>
+                                          <p:spTgt spid="8"/>
+                                        </p:tgtEl>
+                                        <p:attrNameLst>
+                                          <p:attrName>ppt_y</p:attrName>
+                                        </p:attrNameLst>
+                                      </p:cBhvr>
+                                      <p:tavLst>
+                                        <p:tav tm="0">
+                                          <p:val>
+                                            <p:strVal val="1+#ppt_h/2"/>
+                                          </p:val>
+                                        </p:tav>
+                                        <p:tav tm="100000">
+                                          <p:val>
+                                            <p:strVal val="#ppt_y"/>
+                                          </p:val>
+                                        </p:tav>
+                                      </p:tavLst>
+                                    </p:anim>
+                                  </p:childTnLst>
+                                </p:cTn>
+                              </p:par>
+                              <p:par>
+                                <p:cTn id="23" presetID="2" presetClass="entr" presetSubtype="4" fill="hold" grpId="0" nodeType="withEffect">
+                                  <p:stCondLst>
+                                    <p:cond delay="0"/>
+                                  </p:stCondLst>
+                                  <p:childTnLst>
+                                    <p:set>
+                                      <p:cBhvr>
+                                        <p:cTn id="24" dur="1" fill="hold">
+                                          <p:stCondLst>
+                                            <p:cond delay="0"/>
+                                          </p:stCondLst>
+                                        </p:cTn>
+                                        <p:tgtEl>
+                                          <p:spTgt spid="9"/>
+                                        </p:tgtEl>
+                                        <p:attrNameLst>
+                                          <p:attrName>style.visibility</p:attrName>
+                                        </p:attrNameLst>
+                                      </p:cBhvr>
+                                      <p:to>
+                                        <p:strVal val="visible"/>
+                                      </p:to>
+                                    </p:set>
+                                    <p:anim calcmode="lin" valueType="num">
+                                      <p:cBhvr additive="base">
+                                        <p:cTn id="25" dur="500" fill="hold"/>
+                                        <p:tgtEl>
+                                          <p:spTgt spid="9"/>
+                                        </p:tgtEl>
+                                        <p:attrNameLst>
+                                          <p:attrName>ppt_x</p:attrName>
+                                        </p:attrNameLst>
+                                      </p:cBhvr>
+                                      <p:tavLst>
+                                        <p:tav tm="0">
+                                          <p:val>
+                                            <p:strVal val="#ppt_x"/>
+                                          </p:val>
+                                        </p:tav>
+                                        <p:tav tm="100000">
+                                          <p:val>
+                                            <p:strVal val="#ppt_x"/>
+                                          </p:val>
+                                        </p:tav>
+                                      </p:tavLst>
+                                    </p:anim>
+                                    <p:anim calcmode="lin" valueType="num">
+                                      <p:cBhvr additive="base">
+                                        <p:cTn id="26" dur="500" fill="hold"/>
+                                        <p:tgtEl>
+                                          <p:spTgt spid="9"/>
+                                        </p:tgtEl>
+                                        <p:attrNameLst>
+                                          <p:attrName>ppt_y</p:attrName>
+                                        </p:attrNameLst>
+                                      </p:cBhvr>
+                                      <p:tavLst>
+                                        <p:tav tm="0">
+                                          <p:val>
+                                            <p:strVal val="1+#ppt_h/2"/>
+                                          </p:val>
+                                        </p:tav>
+                                        <p:tav tm="100000">
+                                          <p:val>
+                                            <p:strVal val="#ppt_y"/>
+                                          </p:val>
+                                        </p:tav>
+                                      </p:tavLst>
+                                    </p:anim>
+                                  </p:childTnLst>
+                                </p:cTn>
+                              </p:par>
+                            </p:childTnLst>
+                          </p:cTn>
+                        </p:par>
+                      </p:childTnLst>
+                    </p:cTn>
+                  </p:par>
                 </p:childTnLst>
               </p:cTn>
               <p:prevCondLst>
@@ -9205,6 +9472,7 @@
     <p:bldLst>
       <p:bldP spid="4" grpId="0"/>
       <p:bldP spid="5" grpId="0" animBg="1"/>
+      <p:bldP spid="9" grpId="0" animBg="1"/>
     </p:bldLst>
   </p:timing>
 </p:sld>
@@ -9402,7 +9670,7 @@
             <a:avLst/>
           </a:prstGeom>
           <a:solidFill>
-            <a:schemeClr val="accent4">
+            <a:schemeClr val="accent1">
               <a:lumMod val="20000"/>
               <a:lumOff val="80000"/>
             </a:schemeClr>
@@ -9855,6 +10123,79 @@
                                         <p:cTn id="20" dur="500" fill="hold"/>
                                         <p:tgtEl>
                                           <p:spTgt spid="14"/>
+                                        </p:tgtEl>
+                                        <p:attrNameLst>
+                                          <p:attrName>ppt_y</p:attrName>
+                                        </p:attrNameLst>
+                                      </p:cBhvr>
+                                      <p:tavLst>
+                                        <p:tav tm="0">
+                                          <p:val>
+                                            <p:strVal val="1+#ppt_h/2"/>
+                                          </p:val>
+                                        </p:tav>
+                                        <p:tav tm="100000">
+                                          <p:val>
+                                            <p:strVal val="#ppt_y"/>
+                                          </p:val>
+                                        </p:tav>
+                                      </p:tavLst>
+                                    </p:anim>
+                                  </p:childTnLst>
+                                </p:cTn>
+                              </p:par>
+                              <p:par>
+                                <p:cTn id="21" presetID="2" presetClass="entr" presetSubtype="4" fill="hold" nodeType="withEffect">
+                                  <p:stCondLst>
+                                    <p:cond delay="0"/>
+                                  </p:stCondLst>
+                                  <p:childTnLst>
+                                    <p:set>
+                                      <p:cBhvr>
+                                        <p:cTn id="22" dur="1" fill="hold">
+                                          <p:stCondLst>
+                                            <p:cond delay="0"/>
+                                          </p:stCondLst>
+                                        </p:cTn>
+                                        <p:tgtEl>
+                                          <p:spTgt spid="4"/>
+                                        </p:tgtEl>
+                                        <p:attrNameLst>
+                                          <p:attrName>style.visibility</p:attrName>
+                                        </p:attrNameLst>
+                                      </p:cBhvr>
+                                      <p:to>
+                                        <p:strVal val="visible"/>
+                                      </p:to>
+                                    </p:set>
+                                    <p:anim calcmode="lin" valueType="num">
+                                      <p:cBhvr additive="base">
+                                        <p:cTn id="23" dur="500" fill="hold"/>
+                                        <p:tgtEl>
+                                          <p:spTgt spid="4"/>
+                                        </p:tgtEl>
+                                        <p:attrNameLst>
+                                          <p:attrName>ppt_x</p:attrName>
+                                        </p:attrNameLst>
+                                      </p:cBhvr>
+                                      <p:tavLst>
+                                        <p:tav tm="0">
+                                          <p:val>
+                                            <p:strVal val="#ppt_x"/>
+                                          </p:val>
+                                        </p:tav>
+                                        <p:tav tm="100000">
+                                          <p:val>
+                                            <p:strVal val="#ppt_x"/>
+                                          </p:val>
+                                        </p:tav>
+                                      </p:tavLst>
+                                    </p:anim>
+                                    <p:anim calcmode="lin" valueType="num">
+                                      <p:cBhvr additive="base">
+                                        <p:cTn id="24" dur="500" fill="hold"/>
+                                        <p:tgtEl>
+                                          <p:spTgt spid="4"/>
                                         </p:tgtEl>
                                         <p:attrNameLst>
                                           <p:attrName>ppt_y</p:attrName>
@@ -10026,14 +10367,7 @@
                 <a:latin typeface="Times New Roman" panose="02020603050405020304" pitchFamily="18" charset="0"/>
                 <a:ea typeface="Times New Roman" panose="02020603050405020304" pitchFamily="18" charset="0"/>
               </a:rPr>
-              <a:t>«Зарплата</a:t>
-            </a:r>
-            <a:r>
-              <a:rPr lang="ru-RU" sz="2000" dirty="0" smtClean="0">
-                <a:latin typeface="Times New Roman" panose="02020603050405020304" pitchFamily="18" charset="0"/>
-                <a:ea typeface="Times New Roman" panose="02020603050405020304" pitchFamily="18" charset="0"/>
-              </a:rPr>
-              <a:t>»</a:t>
+              <a:t>«Зарплата»</a:t>
             </a:r>
             <a:endParaRPr lang="ru-RU" sz="2000" dirty="0"/>
           </a:p>
@@ -10073,87 +10407,6 @@
       </p:sp>
       <p:sp>
         <p:nvSpPr>
-          <p:cNvPr id="16" name="Прямоугольник 15">
-            <a:hlinkClick r:id="rId3"/>
-          </p:cNvPr>
-          <p:cNvSpPr/>
-          <p:nvPr/>
-        </p:nvSpPr>
-        <p:spPr>
-          <a:xfrm>
-            <a:off x="2265055" y="5101581"/>
-            <a:ext cx="2114923" cy="289825"/>
-          </a:xfrm>
-          <a:prstGeom prst="rect">
-            <a:avLst/>
-          </a:prstGeom>
-          <a:solidFill>
-            <a:schemeClr val="accent4">
-              <a:lumMod val="20000"/>
-              <a:lumOff val="80000"/>
-            </a:schemeClr>
-          </a:solidFill>
-          <a:ln w="9525" cap="flat" cmpd="sng" algn="ctr">
-            <a:solidFill>
-              <a:schemeClr val="tx1"/>
-            </a:solidFill>
-            <a:prstDash val="solid"/>
-            <a:round/>
-            <a:headEnd type="none" w="med" len="med"/>
-            <a:tailEnd type="none" w="med" len="med"/>
-          </a:ln>
-        </p:spPr>
-        <p:style>
-          <a:lnRef idx="0">
-            <a:scrgbClr r="0" g="0" b="0"/>
-          </a:lnRef>
-          <a:fillRef idx="0">
-            <a:scrgbClr r="0" g="0" b="0"/>
-          </a:fillRef>
-          <a:effectRef idx="0">
-            <a:scrgbClr r="0" g="0" b="0"/>
-          </a:effectRef>
-          <a:fontRef idx="minor">
-            <a:schemeClr val="accent2"/>
-          </a:fontRef>
-        </p:style>
-        <p:txBody>
-          <a:bodyPr rtlCol="0" anchor="ctr"/>
-          <a:lstStyle/>
-          <a:p>
-            <a:pPr algn="ctr"/>
-            <a:r>
-              <a:rPr lang="ru-RU" sz="1400" dirty="0">
-                <a:solidFill>
-                  <a:schemeClr val="tx1"/>
-                </a:solidFill>
-                <a:latin typeface="Times New Roman" panose="02020603050405020304" pitchFamily="18" charset="0"/>
-                <a:cs typeface="Times New Roman" panose="02020603050405020304" pitchFamily="18" charset="0"/>
-              </a:rPr>
-              <a:t>Перейти на </a:t>
-            </a:r>
-            <a:r>
-              <a:rPr lang="ru-RU" sz="1400" dirty="0" smtClean="0">
-                <a:solidFill>
-                  <a:schemeClr val="tx1"/>
-                </a:solidFill>
-                <a:latin typeface="Times New Roman" panose="02020603050405020304" pitchFamily="18" charset="0"/>
-                <a:cs typeface="Times New Roman" panose="02020603050405020304" pitchFamily="18" charset="0"/>
-              </a:rPr>
-              <a:t>программу</a:t>
-            </a:r>
-            <a:endParaRPr lang="ru-RU" sz="1400" dirty="0">
-              <a:solidFill>
-                <a:schemeClr val="tx1"/>
-              </a:solidFill>
-              <a:latin typeface="Times New Roman" panose="02020603050405020304" pitchFamily="18" charset="0"/>
-              <a:cs typeface="Times New Roman" panose="02020603050405020304" pitchFamily="18" charset="0"/>
-            </a:endParaRPr>
-          </a:p>
-        </p:txBody>
-      </p:sp>
-      <p:sp>
-        <p:nvSpPr>
           <p:cNvPr id="11" name="Прямоугольник 10"/>
           <p:cNvSpPr/>
           <p:nvPr/>
@@ -10167,7 +10420,7 @@
             <a:avLst/>
           </a:prstGeom>
           <a:solidFill>
-            <a:schemeClr val="accent4">
+            <a:schemeClr val="accent1">
               <a:lumMod val="20000"/>
               <a:lumOff val="80000"/>
             </a:schemeClr>
@@ -10210,7 +10463,7 @@
                 </a:solidFill>
                 <a:latin typeface="Times New Roman" panose="02020603050405020304" pitchFamily="18" charset="0"/>
                 <a:cs typeface="Times New Roman" panose="02020603050405020304" pitchFamily="18" charset="0"/>
-                <a:hlinkClick r:id="rId4" action="ppaction://hlinksldjump"/>
+                <a:hlinkClick r:id="rId3" action="ppaction://hlinksldjump"/>
               </a:rPr>
               <a:t>Оглавление</a:t>
             </a:r>
@@ -10233,7 +10486,7 @@
           <p:nvPr/>
         </p:nvPicPr>
         <p:blipFill rotWithShape="1">
-          <a:blip r:embed="rId5"/>
+          <a:blip r:embed="rId4"/>
           <a:srcRect r="2386"/>
           <a:stretch/>
         </p:blipFill>
@@ -10256,7 +10509,7 @@
           <p:nvPr/>
         </p:nvPicPr>
         <p:blipFill>
-          <a:blip r:embed="rId6"/>
+          <a:blip r:embed="rId5"/>
           <a:stretch>
             <a:fillRect/>
           </a:stretch>
@@ -10280,7 +10533,7 @@
           <p:nvPr/>
         </p:nvPicPr>
         <p:blipFill>
-          <a:blip r:embed="rId7"/>
+          <a:blip r:embed="rId6"/>
           <a:stretch>
             <a:fillRect/>
           </a:stretch>
@@ -10632,21 +10885,39 @@
                                   </p:childTnLst>
                                 </p:cTn>
                               </p:par>
+                            </p:childTnLst>
+                          </p:cTn>
+                        </p:par>
+                      </p:childTnLst>
+                    </p:cTn>
+                  </p:par>
+                  <p:par>
+                    <p:cTn id="21" fill="hold">
+                      <p:stCondLst>
+                        <p:cond delay="indefinite"/>
+                      </p:stCondLst>
+                      <p:childTnLst>
+                        <p:par>
+                          <p:cTn id="22" fill="hold">
+                            <p:stCondLst>
+                              <p:cond delay="0"/>
+                            </p:stCondLst>
+                            <p:childTnLst>
                               <p:par>
-                                <p:cTn id="21" presetID="2" presetClass="entr" presetSubtype="4" fill="hold" grpId="0" nodeType="withEffect">
+                                <p:cTn id="23" presetID="2" presetClass="entr" presetSubtype="4" fill="hold" nodeType="clickEffect">
                                   <p:stCondLst>
                                     <p:cond delay="0"/>
                                   </p:stCondLst>
                                   <p:childTnLst>
                                     <p:set>
                                       <p:cBhvr>
-                                        <p:cTn id="22" dur="1" fill="hold">
+                                        <p:cTn id="24" dur="1" fill="hold">
                                           <p:stCondLst>
                                             <p:cond delay="0"/>
                                           </p:stCondLst>
                                         </p:cTn>
                                         <p:tgtEl>
-                                          <p:spTgt spid="16"/>
+                                          <p:spTgt spid="6"/>
                                         </p:tgtEl>
                                         <p:attrNameLst>
                                           <p:attrName>style.visibility</p:attrName>
@@ -10658,9 +10929,9 @@
                                     </p:set>
                                     <p:anim calcmode="lin" valueType="num">
                                       <p:cBhvr additive="base">
-                                        <p:cTn id="23" dur="500" fill="hold"/>
-                                        <p:tgtEl>
-                                          <p:spTgt spid="16"/>
+                                        <p:cTn id="25" dur="500" fill="hold"/>
+                                        <p:tgtEl>
+                                          <p:spTgt spid="6"/>
                                         </p:tgtEl>
                                         <p:attrNameLst>
                                           <p:attrName>ppt_x</p:attrName>
@@ -10681,9 +10952,282 @@
                                     </p:anim>
                                     <p:anim calcmode="lin" valueType="num">
                                       <p:cBhvr additive="base">
-                                        <p:cTn id="24" dur="500" fill="hold"/>
-                                        <p:tgtEl>
-                                          <p:spTgt spid="16"/>
+                                        <p:cTn id="26" dur="500" fill="hold"/>
+                                        <p:tgtEl>
+                                          <p:spTgt spid="6"/>
+                                        </p:tgtEl>
+                                        <p:attrNameLst>
+                                          <p:attrName>ppt_y</p:attrName>
+                                        </p:attrNameLst>
+                                      </p:cBhvr>
+                                      <p:tavLst>
+                                        <p:tav tm="0">
+                                          <p:val>
+                                            <p:strVal val="1+#ppt_h/2"/>
+                                          </p:val>
+                                        </p:tav>
+                                        <p:tav tm="100000">
+                                          <p:val>
+                                            <p:strVal val="#ppt_y"/>
+                                          </p:val>
+                                        </p:tav>
+                                      </p:tavLst>
+                                    </p:anim>
+                                  </p:childTnLst>
+                                </p:cTn>
+                              </p:par>
+                            </p:childTnLst>
+                          </p:cTn>
+                        </p:par>
+                      </p:childTnLst>
+                    </p:cTn>
+                  </p:par>
+                  <p:par>
+                    <p:cTn id="27" fill="hold">
+                      <p:stCondLst>
+                        <p:cond delay="indefinite"/>
+                      </p:stCondLst>
+                      <p:childTnLst>
+                        <p:par>
+                          <p:cTn id="28" fill="hold">
+                            <p:stCondLst>
+                              <p:cond delay="0"/>
+                            </p:stCondLst>
+                            <p:childTnLst>
+                              <p:par>
+                                <p:cTn id="29" presetID="2" presetClass="entr" presetSubtype="4" fill="hold" nodeType="clickEffect">
+                                  <p:stCondLst>
+                                    <p:cond delay="0"/>
+                                  </p:stCondLst>
+                                  <p:childTnLst>
+                                    <p:set>
+                                      <p:cBhvr>
+                                        <p:cTn id="30" dur="1" fill="hold">
+                                          <p:stCondLst>
+                                            <p:cond delay="0"/>
+                                          </p:stCondLst>
+                                        </p:cTn>
+                                        <p:tgtEl>
+                                          <p:spTgt spid="3"/>
+                                        </p:tgtEl>
+                                        <p:attrNameLst>
+                                          <p:attrName>style.visibility</p:attrName>
+                                        </p:attrNameLst>
+                                      </p:cBhvr>
+                                      <p:to>
+                                        <p:strVal val="visible"/>
+                                      </p:to>
+                                    </p:set>
+                                    <p:anim calcmode="lin" valueType="num">
+                                      <p:cBhvr additive="base">
+                                        <p:cTn id="31" dur="500" fill="hold"/>
+                                        <p:tgtEl>
+                                          <p:spTgt spid="3"/>
+                                        </p:tgtEl>
+                                        <p:attrNameLst>
+                                          <p:attrName>ppt_x</p:attrName>
+                                        </p:attrNameLst>
+                                      </p:cBhvr>
+                                      <p:tavLst>
+                                        <p:tav tm="0">
+                                          <p:val>
+                                            <p:strVal val="#ppt_x"/>
+                                          </p:val>
+                                        </p:tav>
+                                        <p:tav tm="100000">
+                                          <p:val>
+                                            <p:strVal val="#ppt_x"/>
+                                          </p:val>
+                                        </p:tav>
+                                      </p:tavLst>
+                                    </p:anim>
+                                    <p:anim calcmode="lin" valueType="num">
+                                      <p:cBhvr additive="base">
+                                        <p:cTn id="32" dur="500" fill="hold"/>
+                                        <p:tgtEl>
+                                          <p:spTgt spid="3"/>
+                                        </p:tgtEl>
+                                        <p:attrNameLst>
+                                          <p:attrName>ppt_y</p:attrName>
+                                        </p:attrNameLst>
+                                      </p:cBhvr>
+                                      <p:tavLst>
+                                        <p:tav tm="0">
+                                          <p:val>
+                                            <p:strVal val="1+#ppt_h/2"/>
+                                          </p:val>
+                                        </p:tav>
+                                        <p:tav tm="100000">
+                                          <p:val>
+                                            <p:strVal val="#ppt_y"/>
+                                          </p:val>
+                                        </p:tav>
+                                      </p:tavLst>
+                                    </p:anim>
+                                  </p:childTnLst>
+                                </p:cTn>
+                              </p:par>
+                            </p:childTnLst>
+                          </p:cTn>
+                        </p:par>
+                      </p:childTnLst>
+                    </p:cTn>
+                  </p:par>
+                  <p:par>
+                    <p:cTn id="33" fill="hold">
+                      <p:stCondLst>
+                        <p:cond delay="indefinite"/>
+                      </p:stCondLst>
+                      <p:childTnLst>
+                        <p:par>
+                          <p:cTn id="34" fill="hold">
+                            <p:stCondLst>
+                              <p:cond delay="0"/>
+                            </p:stCondLst>
+                            <p:childTnLst>
+                              <p:par>
+                                <p:cTn id="35" presetID="2" presetClass="entr" presetSubtype="4" fill="hold" nodeType="clickEffect">
+                                  <p:stCondLst>
+                                    <p:cond delay="0"/>
+                                  </p:stCondLst>
+                                  <p:childTnLst>
+                                    <p:set>
+                                      <p:cBhvr>
+                                        <p:cTn id="36" dur="1" fill="hold">
+                                          <p:stCondLst>
+                                            <p:cond delay="0"/>
+                                          </p:stCondLst>
+                                        </p:cTn>
+                                        <p:tgtEl>
+                                          <p:spTgt spid="8"/>
+                                        </p:tgtEl>
+                                        <p:attrNameLst>
+                                          <p:attrName>style.visibility</p:attrName>
+                                        </p:attrNameLst>
+                                      </p:cBhvr>
+                                      <p:to>
+                                        <p:strVal val="visible"/>
+                                      </p:to>
+                                    </p:set>
+                                    <p:anim calcmode="lin" valueType="num">
+                                      <p:cBhvr additive="base">
+                                        <p:cTn id="37" dur="500" fill="hold"/>
+                                        <p:tgtEl>
+                                          <p:spTgt spid="8"/>
+                                        </p:tgtEl>
+                                        <p:attrNameLst>
+                                          <p:attrName>ppt_x</p:attrName>
+                                        </p:attrNameLst>
+                                      </p:cBhvr>
+                                      <p:tavLst>
+                                        <p:tav tm="0">
+                                          <p:val>
+                                            <p:strVal val="#ppt_x"/>
+                                          </p:val>
+                                        </p:tav>
+                                        <p:tav tm="100000">
+                                          <p:val>
+                                            <p:strVal val="#ppt_x"/>
+                                          </p:val>
+                                        </p:tav>
+                                      </p:tavLst>
+                                    </p:anim>
+                                    <p:anim calcmode="lin" valueType="num">
+                                      <p:cBhvr additive="base">
+                                        <p:cTn id="38" dur="500" fill="hold"/>
+                                        <p:tgtEl>
+                                          <p:spTgt spid="8"/>
+                                        </p:tgtEl>
+                                        <p:attrNameLst>
+                                          <p:attrName>ppt_y</p:attrName>
+                                        </p:attrNameLst>
+                                      </p:cBhvr>
+                                      <p:tavLst>
+                                        <p:tav tm="0">
+                                          <p:val>
+                                            <p:strVal val="1+#ppt_h/2"/>
+                                          </p:val>
+                                        </p:tav>
+                                        <p:tav tm="100000">
+                                          <p:val>
+                                            <p:strVal val="#ppt_y"/>
+                                          </p:val>
+                                        </p:tav>
+                                      </p:tavLst>
+                                    </p:anim>
+                                  </p:childTnLst>
+                                </p:cTn>
+                              </p:par>
+                            </p:childTnLst>
+                          </p:cTn>
+                        </p:par>
+                      </p:childTnLst>
+                    </p:cTn>
+                  </p:par>
+                  <p:par>
+                    <p:cTn id="39" fill="hold">
+                      <p:stCondLst>
+                        <p:cond delay="indefinite"/>
+                      </p:stCondLst>
+                      <p:childTnLst>
+                        <p:par>
+                          <p:cTn id="40" fill="hold">
+                            <p:stCondLst>
+                              <p:cond delay="0"/>
+                            </p:stCondLst>
+                            <p:childTnLst>
+                              <p:par>
+                                <p:cTn id="41" presetID="2" presetClass="entr" presetSubtype="4" fill="hold" grpId="0" nodeType="clickEffect">
+                                  <p:stCondLst>
+                                    <p:cond delay="0"/>
+                                  </p:stCondLst>
+                                  <p:childTnLst>
+                                    <p:set>
+                                      <p:cBhvr>
+                                        <p:cTn id="42" dur="1" fill="hold">
+                                          <p:stCondLst>
+                                            <p:cond delay="0"/>
+                                          </p:stCondLst>
+                                        </p:cTn>
+                                        <p:tgtEl>
+                                          <p:spTgt spid="2"/>
+                                        </p:tgtEl>
+                                        <p:attrNameLst>
+                                          <p:attrName>style.visibility</p:attrName>
+                                        </p:attrNameLst>
+                                      </p:cBhvr>
+                                      <p:to>
+                                        <p:strVal val="visible"/>
+                                      </p:to>
+                                    </p:set>
+                                    <p:anim calcmode="lin" valueType="num">
+                                      <p:cBhvr additive="base">
+                                        <p:cTn id="43" dur="500" fill="hold"/>
+                                        <p:tgtEl>
+                                          <p:spTgt spid="2"/>
+                                        </p:tgtEl>
+                                        <p:attrNameLst>
+                                          <p:attrName>ppt_x</p:attrName>
+                                        </p:attrNameLst>
+                                      </p:cBhvr>
+                                      <p:tavLst>
+                                        <p:tav tm="0">
+                                          <p:val>
+                                            <p:strVal val="#ppt_x"/>
+                                          </p:val>
+                                        </p:tav>
+                                        <p:tav tm="100000">
+                                          <p:val>
+                                            <p:strVal val="#ppt_x"/>
+                                          </p:val>
+                                        </p:tav>
+                                      </p:tavLst>
+                                    </p:anim>
+                                    <p:anim calcmode="lin" valueType="num">
+                                      <p:cBhvr additive="base">
+                                        <p:cTn id="44" dur="500" fill="hold"/>
+                                        <p:tgtEl>
+                                          <p:spTgt spid="2"/>
                                         </p:tgtEl>
                                         <p:attrNameLst>
                                           <p:attrName>ppt_y</p:attrName>
@@ -10733,9 +11277,9 @@
       </p:par>
     </p:tnLst>
     <p:bldLst>
+      <p:bldP spid="2" grpId="0"/>
       <p:bldP spid="9" grpId="0"/>
       <p:bldP spid="12" grpId="0"/>
-      <p:bldP spid="16" grpId="0" animBg="1"/>
       <p:bldP spid="11" grpId="0" animBg="1"/>
     </p:bldLst>
   </p:timing>
@@ -10774,7 +11318,7 @@
             <a:avLst/>
           </a:prstGeom>
           <a:solidFill>
-            <a:schemeClr val="accent4">
+            <a:schemeClr val="accent1">
               <a:lumMod val="20000"/>
               <a:lumOff val="80000"/>
             </a:schemeClr>
@@ -12482,7 +13026,7 @@
             <a:avLst/>
           </a:prstGeom>
           <a:solidFill>
-            <a:schemeClr val="accent4">
+            <a:schemeClr val="accent1">
               <a:lumMod val="20000"/>
               <a:lumOff val="80000"/>
             </a:schemeClr>
